--- a/doc/sdq workflow.pptx
+++ b/doc/sdq workflow.pptx
@@ -783,6 +783,391 @@
     </a:lvl9pPr>
   </p:notesStyle>
 </p:notesMaster>
+</file>
+
+<file path=ppt/notesSlides/notesSlide1.xml><?xml version="1.0" encoding="utf-8"?>
+<p:notes xmlns:a="http://schemas.openxmlformats.org/drawingml/2006/main" xmlns:r="http://schemas.openxmlformats.org/officeDocument/2006/relationships" xmlns:p="http://schemas.openxmlformats.org/presentationml/2006/main">
+  <p:cSld>
+    <p:spTree>
+      <p:nvGrpSpPr>
+        <p:cNvPr id="1" name=""/>
+        <p:cNvGrpSpPr/>
+        <p:nvPr/>
+      </p:nvGrpSpPr>
+      <p:grpSpPr>
+        <a:xfrm>
+          <a:off x="0" y="0"/>
+          <a:ext cx="0" cy="0"/>
+          <a:chOff x="0" y="0"/>
+          <a:chExt cx="0" cy="0"/>
+        </a:xfrm>
+      </p:grpSpPr>
+      <p:sp>
+        <p:nvSpPr>
+          <p:cNvPr id="2" name="Folienbildplatzhalter 1"/>
+          <p:cNvSpPr>
+            <a:spLocks noGrp="1" noRot="1" noChangeAspect="1"/>
+          </p:cNvSpPr>
+          <p:nvPr>
+            <p:ph type="sldImg"/>
+          </p:nvPr>
+        </p:nvSpPr>
+        <p:spPr/>
+      </p:sp>
+      <p:sp>
+        <p:nvSpPr>
+          <p:cNvPr id="3" name="Notizenplatzhalter 2"/>
+          <p:cNvSpPr>
+            <a:spLocks noGrp="1"/>
+          </p:cNvSpPr>
+          <p:nvPr>
+            <p:ph type="body" idx="1"/>
+          </p:nvPr>
+        </p:nvSpPr>
+        <p:spPr/>
+        <p:txBody>
+          <a:bodyPr>
+            <a:normAutofit/>
+          </a:bodyPr>
+          <a:lstStyle/>
+          <a:p>
+            <a:r>
+              <a:rPr lang="en-US" sz="1200" kern="1200" dirty="0" smtClean="0">
+                <a:solidFill>
+                  <a:schemeClr val="tx1"/>
+                </a:solidFill>
+                <a:latin typeface="Arial" charset="0"/>
+                <a:ea typeface="+mn-ea"/>
+                <a:cs typeface="+mn-cs"/>
+              </a:rPr>
+              <a:t>Workflow.java: * Implementation of a </a:t>
+            </a:r>
+            <a:r>
+              <a:rPr lang="en-US" sz="1200" u="sng" kern="1200" dirty="0" smtClean="0">
+                <a:solidFill>
+                  <a:schemeClr val="tx1"/>
+                </a:solidFill>
+                <a:latin typeface="Arial" charset="0"/>
+                <a:ea typeface="+mn-ea"/>
+                <a:cs typeface="+mn-cs"/>
+              </a:rPr>
+              <a:t>workflow. A workflow is a special composite job which </a:t>
+            </a:r>
+          </a:p>
+          <a:p>
+            <a:r>
+              <a:rPr lang="en-US" sz="1200" kern="1200" dirty="0" smtClean="0">
+                <a:solidFill>
+                  <a:schemeClr val="tx1"/>
+                </a:solidFill>
+                <a:latin typeface="Arial" charset="0"/>
+                <a:ea typeface="+mn-ea"/>
+                <a:cs typeface="+mn-cs"/>
+              </a:rPr>
+              <a:t> * executes all other jobs while displaying the progress in a progress</a:t>
+            </a:r>
+          </a:p>
+          <a:p>
+            <a:r>
+              <a:rPr lang="de-DE" sz="1200" kern="1200" dirty="0" smtClean="0">
+                <a:solidFill>
+                  <a:schemeClr val="tx1"/>
+                </a:solidFill>
+                <a:latin typeface="Arial" charset="0"/>
+                <a:ea typeface="+mn-ea"/>
+                <a:cs typeface="+mn-cs"/>
+              </a:rPr>
+              <a:t> * bar </a:t>
+            </a:r>
+            <a:r>
+              <a:rPr lang="de-DE" sz="1200" kern="1200" dirty="0" err="1" smtClean="0">
+                <a:solidFill>
+                  <a:schemeClr val="tx1"/>
+                </a:solidFill>
+                <a:latin typeface="Arial" charset="0"/>
+                <a:ea typeface="+mn-ea"/>
+                <a:cs typeface="+mn-cs"/>
+              </a:rPr>
+              <a:t>to</a:t>
+            </a:r>
+            <a:r>
+              <a:rPr lang="de-DE" sz="1200" kern="1200" dirty="0" smtClean="0">
+                <a:solidFill>
+                  <a:schemeClr val="tx1"/>
+                </a:solidFill>
+                <a:latin typeface="Arial" charset="0"/>
+                <a:ea typeface="+mn-ea"/>
+                <a:cs typeface="+mn-cs"/>
+              </a:rPr>
+              <a:t> </a:t>
+            </a:r>
+            <a:r>
+              <a:rPr lang="de-DE" sz="1200" kern="1200" dirty="0" err="1" smtClean="0">
+                <a:solidFill>
+                  <a:schemeClr val="tx1"/>
+                </a:solidFill>
+                <a:latin typeface="Arial" charset="0"/>
+                <a:ea typeface="+mn-ea"/>
+                <a:cs typeface="+mn-cs"/>
+              </a:rPr>
+              <a:t>the</a:t>
+            </a:r>
+            <a:r>
+              <a:rPr lang="de-DE" sz="1200" kern="1200" dirty="0" smtClean="0">
+                <a:solidFill>
+                  <a:schemeClr val="tx1"/>
+                </a:solidFill>
+                <a:latin typeface="Arial" charset="0"/>
+                <a:ea typeface="+mn-ea"/>
+                <a:cs typeface="+mn-cs"/>
+              </a:rPr>
+              <a:t> </a:t>
+            </a:r>
+            <a:r>
+              <a:rPr lang="de-DE" sz="1200" kern="1200" dirty="0" err="1" smtClean="0">
+                <a:solidFill>
+                  <a:schemeClr val="tx1"/>
+                </a:solidFill>
+                <a:latin typeface="Arial" charset="0"/>
+                <a:ea typeface="+mn-ea"/>
+                <a:cs typeface="+mn-cs"/>
+              </a:rPr>
+              <a:t>user</a:t>
+            </a:r>
+            <a:r>
+              <a:rPr lang="de-DE" sz="1200" kern="1200" dirty="0" smtClean="0">
+                <a:solidFill>
+                  <a:schemeClr val="tx1"/>
+                </a:solidFill>
+                <a:latin typeface="Arial" charset="0"/>
+                <a:ea typeface="+mn-ea"/>
+                <a:cs typeface="+mn-cs"/>
+              </a:rPr>
+              <a:t>.</a:t>
+            </a:r>
+          </a:p>
+          <a:p>
+            <a:r>
+              <a:rPr lang="en-US" sz="1200" kern="1200" dirty="0" smtClean="0">
+                <a:solidFill>
+                  <a:schemeClr val="tx1"/>
+                </a:solidFill>
+                <a:latin typeface="Arial" charset="0"/>
+                <a:ea typeface="+mn-ea"/>
+                <a:cs typeface="+mn-cs"/>
+              </a:rPr>
+              <a:t> * Additionally, the </a:t>
+            </a:r>
+            <a:r>
+              <a:rPr lang="en-US" sz="1200" u="sng" kern="1200" dirty="0" smtClean="0">
+                <a:solidFill>
+                  <a:schemeClr val="tx1"/>
+                </a:solidFill>
+                <a:latin typeface="Arial" charset="0"/>
+                <a:ea typeface="+mn-ea"/>
+                <a:cs typeface="+mn-cs"/>
+              </a:rPr>
+              <a:t>Workflow has an internal </a:t>
+            </a:r>
+            <a:r>
+              <a:rPr lang="en-US" sz="1200" u="sng" kern="1200" dirty="0" err="1" smtClean="0">
+                <a:solidFill>
+                  <a:schemeClr val="tx1"/>
+                </a:solidFill>
+                <a:latin typeface="Arial" charset="0"/>
+                <a:ea typeface="+mn-ea"/>
+                <a:cs typeface="+mn-cs"/>
+              </a:rPr>
+              <a:t>WorkflowExceptionHandler</a:t>
+            </a:r>
+            <a:r>
+              <a:rPr lang="en-US" sz="1200" u="sng" kern="1200" dirty="0" smtClean="0">
+                <a:solidFill>
+                  <a:schemeClr val="tx1"/>
+                </a:solidFill>
+                <a:latin typeface="Arial" charset="0"/>
+                <a:ea typeface="+mn-ea"/>
+                <a:cs typeface="+mn-cs"/>
+              </a:rPr>
+              <a:t> </a:t>
+            </a:r>
+          </a:p>
+          <a:p>
+            <a:r>
+              <a:rPr lang="en-US" sz="1200" kern="1200" dirty="0" smtClean="0">
+                <a:solidFill>
+                  <a:schemeClr val="tx1"/>
+                </a:solidFill>
+                <a:latin typeface="Arial" charset="0"/>
+                <a:ea typeface="+mn-ea"/>
+                <a:cs typeface="+mn-cs"/>
+              </a:rPr>
+              <a:t> * that handles exception based on the environment (UI available or not).</a:t>
+            </a:r>
+          </a:p>
+          <a:p>
+            <a:r>
+              <a:rPr lang="en-US" sz="1200" kern="1200" dirty="0" smtClean="0">
+                <a:solidFill>
+                  <a:schemeClr val="tx1"/>
+                </a:solidFill>
+                <a:latin typeface="Arial" charset="0"/>
+                <a:ea typeface="+mn-ea"/>
+                <a:cs typeface="+mn-cs"/>
+              </a:rPr>
+              <a:t> * The given Progress Monitor will receive updates before and after a</a:t>
+            </a:r>
+          </a:p>
+          <a:p>
+            <a:r>
+              <a:rPr lang="de-DE" sz="1200" kern="1200" dirty="0" smtClean="0">
+                <a:solidFill>
+                  <a:schemeClr val="tx1"/>
+                </a:solidFill>
+                <a:latin typeface="Arial" charset="0"/>
+                <a:ea typeface="+mn-ea"/>
+                <a:cs typeface="+mn-cs"/>
+              </a:rPr>
+              <a:t> * </a:t>
+            </a:r>
+            <a:r>
+              <a:rPr lang="de-DE" sz="1200" kern="1200" dirty="0" err="1" smtClean="0">
+                <a:solidFill>
+                  <a:schemeClr val="tx1"/>
+                </a:solidFill>
+                <a:latin typeface="Arial" charset="0"/>
+                <a:ea typeface="+mn-ea"/>
+                <a:cs typeface="+mn-cs"/>
+              </a:rPr>
+              <a:t>job</a:t>
+            </a:r>
+            <a:r>
+              <a:rPr lang="de-DE" sz="1200" kern="1200" dirty="0" smtClean="0">
+                <a:solidFill>
+                  <a:schemeClr val="tx1"/>
+                </a:solidFill>
+                <a:latin typeface="Arial" charset="0"/>
+                <a:ea typeface="+mn-ea"/>
+                <a:cs typeface="+mn-cs"/>
+              </a:rPr>
+              <a:t> </a:t>
+            </a:r>
+            <a:r>
+              <a:rPr lang="de-DE" sz="1200" kern="1200" dirty="0" err="1" smtClean="0">
+                <a:solidFill>
+                  <a:schemeClr val="tx1"/>
+                </a:solidFill>
+                <a:latin typeface="Arial" charset="0"/>
+                <a:ea typeface="+mn-ea"/>
+                <a:cs typeface="+mn-cs"/>
+              </a:rPr>
+              <a:t>is</a:t>
+            </a:r>
+            <a:r>
+              <a:rPr lang="de-DE" sz="1200" kern="1200" dirty="0" smtClean="0">
+                <a:solidFill>
+                  <a:schemeClr val="tx1"/>
+                </a:solidFill>
+                <a:latin typeface="Arial" charset="0"/>
+                <a:ea typeface="+mn-ea"/>
+                <a:cs typeface="+mn-cs"/>
+              </a:rPr>
+              <a:t> </a:t>
+            </a:r>
+            <a:r>
+              <a:rPr lang="de-DE" sz="1200" kern="1200" dirty="0" err="1" smtClean="0">
+                <a:solidFill>
+                  <a:schemeClr val="tx1"/>
+                </a:solidFill>
+                <a:latin typeface="Arial" charset="0"/>
+                <a:ea typeface="+mn-ea"/>
+                <a:cs typeface="+mn-cs"/>
+              </a:rPr>
+              <a:t>executed</a:t>
+            </a:r>
+            <a:r>
+              <a:rPr lang="de-DE" sz="1200" kern="1200" dirty="0" smtClean="0">
+                <a:solidFill>
+                  <a:schemeClr val="tx1"/>
+                </a:solidFill>
+                <a:latin typeface="Arial" charset="0"/>
+                <a:ea typeface="+mn-ea"/>
+                <a:cs typeface="+mn-cs"/>
+              </a:rPr>
+              <a:t>.</a:t>
+            </a:r>
+            <a:endParaRPr lang="de-DE" dirty="0"/>
+          </a:p>
+        </p:txBody>
+      </p:sp>
+      <p:sp>
+        <p:nvSpPr>
+          <p:cNvPr id="4" name="Fußzeilenplatzhalter 3"/>
+          <p:cNvSpPr>
+            <a:spLocks noGrp="1"/>
+          </p:cNvSpPr>
+          <p:nvPr>
+            <p:ph type="ftr" sz="quarter" idx="10"/>
+          </p:nvPr>
+        </p:nvSpPr>
+        <p:spPr/>
+        <p:txBody>
+          <a:bodyPr/>
+          <a:lstStyle/>
+          <a:p>
+            <a:pPr>
+              <a:defRPr/>
+            </a:pPr>
+            <a:r>
+              <a:rPr lang="de-DE" smtClean="0"/>
+              <a:t>Prof. Dr. Max Mustermann | </a:t>
+            </a:r>
+            <a:br>
+              <a:rPr lang="de-DE" smtClean="0"/>
+            </a:br>
+            <a:r>
+              <a:rPr lang="de-DE" smtClean="0"/>
+              <a:t>Name of Faculty</a:t>
+            </a:r>
+            <a:endParaRPr lang="de-DE"/>
+          </a:p>
+        </p:txBody>
+      </p:sp>
+      <p:sp>
+        <p:nvSpPr>
+          <p:cNvPr id="5" name="Foliennummernplatzhalter 4"/>
+          <p:cNvSpPr>
+            <a:spLocks noGrp="1"/>
+          </p:cNvSpPr>
+          <p:nvPr>
+            <p:ph type="sldNum" sz="quarter" idx="11"/>
+          </p:nvPr>
+        </p:nvSpPr>
+        <p:spPr/>
+        <p:txBody>
+          <a:bodyPr/>
+          <a:lstStyle/>
+          <a:p>
+            <a:pPr>
+              <a:defRPr/>
+            </a:pPr>
+            <a:fld id="{D5760327-FF93-4B5C-9A1C-902AE96E2231}" type="slidenum">
+              <a:rPr lang="de-DE" smtClean="0"/>
+              <a:pPr>
+                <a:defRPr/>
+              </a:pPr>
+              <a:t>8</a:t>
+            </a:fld>
+            <a:endParaRPr lang="de-DE"/>
+          </a:p>
+        </p:txBody>
+      </p:sp>
+    </p:spTree>
+  </p:cSld>
+  <p:clrMapOvr>
+    <a:masterClrMapping/>
+  </p:clrMapOvr>
+</p:notes>
 </file>
 
 <file path=ppt/slideLayouts/slideLayout1.xml><?xml version="1.0" encoding="utf-8"?>
@@ -4493,10 +4878,6 @@
               <a:rPr lang="en-GB" noProof="0" dirty="0" smtClean="0"/>
               <a:t>Configuration </a:t>
             </a:r>
-            <a:r>
-              <a:rPr lang="en-GB" noProof="0" dirty="0" smtClean="0"/>
-              <a:t/>
-            </a:r>
             <a:br>
               <a:rPr lang="en-GB" noProof="0" dirty="0" smtClean="0"/>
             </a:br>
@@ -6164,6 +6545,34 @@
             <a:r>
               <a:rPr lang="de-DE" sz="1200" dirty="0" err="1" smtClean="0"/>
               <a:t>createBlackboard</a:t>
+            </a:r>
+            <a:r>
+              <a:rPr lang="de-DE" sz="1200" dirty="0" smtClean="0"/>
+              <a:t>, fixes </a:t>
+            </a:r>
+            <a:r>
+              <a:rPr lang="de-DE" sz="1200" dirty="0" err="1" smtClean="0"/>
+              <a:t>Blackboard</a:t>
+            </a:r>
+            <a:r>
+              <a:rPr lang="de-DE" sz="1200" dirty="0" smtClean="0"/>
+              <a:t> type </a:t>
+            </a:r>
+            <a:r>
+              <a:rPr lang="de-DE" sz="1200" dirty="0" err="1" smtClean="0"/>
+              <a:t>to</a:t>
+            </a:r>
+            <a:r>
+              <a:rPr lang="de-DE" sz="1200" dirty="0" smtClean="0"/>
+              <a:t> </a:t>
+            </a:r>
+            <a:r>
+              <a:rPr lang="de-DE" sz="1200" dirty="0" err="1" smtClean="0"/>
+              <a:t>MDSDBlackboard</a:t>
+            </a:r>
+            <a:r>
+              <a:rPr lang="de-DE" sz="1200" dirty="0" smtClean="0"/>
+              <a:t>.</a:t>
             </a:r>
             <a:endParaRPr lang="de-DE" sz="1200" dirty="0"/>
           </a:p>
@@ -9103,21 +9512,7 @@
                 <a:latin typeface="Courier New" pitchFamily="49" charset="0"/>
                 <a:cs typeface="Courier New" pitchFamily="49" charset="0"/>
               </a:rPr>
-              <a:t>", </a:t>
-            </a:r>
-            <a:r>
-              <a:rPr lang="de-DE" sz="1200" dirty="0" smtClean="0">
-                <a:latin typeface="Courier New" pitchFamily="49" charset="0"/>
-                <a:cs typeface="Courier New" pitchFamily="49" charset="0"/>
-              </a:rPr>
-              <a:t>""</a:t>
-            </a:r>
-            <a:r>
-              <a:rPr lang="de-DE" sz="1200" dirty="0" smtClean="0">
-                <a:latin typeface="Courier New" pitchFamily="49" charset="0"/>
-                <a:cs typeface="Courier New" pitchFamily="49" charset="0"/>
-              </a:rPr>
-              <a:t>)</a:t>
+              <a:t>", "")</a:t>
             </a:r>
           </a:p>
         </p:txBody>
@@ -9473,14 +9868,7 @@
                 <a:latin typeface="Courier New" pitchFamily="49" charset="0"/>
                 <a:cs typeface="Courier New" pitchFamily="49" charset="0"/>
               </a:rPr>
-              <a:t> </a:t>
-            </a:r>
-            <a:r>
-              <a:rPr lang="de-DE" sz="1200" dirty="0" smtClean="0">
-                <a:latin typeface="Courier New" pitchFamily="49" charset="0"/>
-                <a:cs typeface="Courier New" pitchFamily="49" charset="0"/>
-              </a:rPr>
-              <a:t>{</a:t>
+              <a:t> {</a:t>
             </a:r>
           </a:p>
           <a:p>
@@ -9902,10 +10290,6 @@
               </a:rPr>
               <a:t>);</a:t>
             </a:r>
-            <a:endParaRPr lang="de-DE" sz="1200" dirty="0" smtClean="0">
-              <a:latin typeface="Courier New" pitchFamily="49" charset="0"/>
-              <a:cs typeface="Courier New" pitchFamily="49" charset="0"/>
-            </a:endParaRPr>
           </a:p>
         </p:txBody>
       </p:sp>
@@ -11577,14 +11961,29 @@
             <a:pPr lvl="1"/>
             <a:r>
               <a:rPr lang="en-GB" noProof="0" dirty="0" smtClean="0"/>
-              <a:t>Main concepts</a:t>
+              <a:t>Main </a:t>
+            </a:r>
+            <a:r>
+              <a:rPr lang="en-GB" noProof="0" dirty="0" smtClean="0"/>
+              <a:t>concepts</a:t>
             </a:r>
           </a:p>
           <a:p>
             <a:pPr lvl="1"/>
             <a:r>
+              <a:rPr lang="en-GB" dirty="0" smtClean="0"/>
+              <a:t>Eclipse-dependent</a:t>
+            </a:r>
+          </a:p>
+          <a:p>
+            <a:pPr lvl="1"/>
+            <a:r>
               <a:rPr lang="en-GB" noProof="0" dirty="0" smtClean="0"/>
-              <a:t>Abstract classes with template methods</a:t>
+              <a:t>Abstract </a:t>
+            </a:r>
+            <a:r>
+              <a:rPr lang="en-GB" noProof="0" dirty="0" smtClean="0"/>
+              <a:t>classes with template methods</a:t>
             </a:r>
           </a:p>
           <a:p>
@@ -11598,14 +11997,11 @@
             <a:pPr lvl="1"/>
             <a:r>
               <a:rPr lang="en-GB" noProof="0" dirty="0" smtClean="0"/>
-              <a:t>Eclipse-dependent</a:t>
-            </a:r>
-          </a:p>
-          <a:p>
-            <a:pPr lvl="1"/>
+              <a:t>Build </a:t>
+            </a:r>
             <a:r>
               <a:rPr lang="en-GB" noProof="0" dirty="0" smtClean="0"/>
-              <a:t>Build configurations based on Eclipse launch </a:t>
+              <a:t>configurations based on Eclipse launch </a:t>
             </a:r>
             <a:r>
               <a:rPr lang="en-GB" noProof="0" dirty="0" err="1" smtClean="0"/>
@@ -15205,6 +15601,38 @@
           <a:chExt cx="0" cy="0"/>
         </a:xfrm>
       </p:grpSpPr>
+      <p:pic>
+        <p:nvPicPr>
+          <p:cNvPr id="1026" name="Picture 2"/>
+          <p:cNvPicPr>
+            <a:picLocks noChangeAspect="1" noChangeArrowheads="1"/>
+          </p:cNvPicPr>
+          <p:nvPr/>
+        </p:nvPicPr>
+        <p:blipFill>
+          <a:blip r:embed="rId3" cstate="print"/>
+          <a:srcRect/>
+          <a:stretch>
+            <a:fillRect/>
+          </a:stretch>
+        </p:blipFill>
+        <p:spPr bwMode="auto">
+          <a:xfrm>
+            <a:off x="492578" y="821326"/>
+            <a:ext cx="7658646" cy="5481569"/>
+          </a:xfrm>
+          <a:prstGeom prst="rect">
+            <a:avLst/>
+          </a:prstGeom>
+          <a:noFill/>
+          <a:ln w="9525">
+            <a:noFill/>
+            <a:miter lim="800000"/>
+            <a:headEnd/>
+            <a:tailEnd/>
+          </a:ln>
+        </p:spPr>
+      </p:pic>
       <p:sp>
         <p:nvSpPr>
           <p:cNvPr id="2" name="Titel 1"/>
@@ -15251,30 +15679,6 @@
           </a:p>
         </p:txBody>
       </p:sp>
-      <p:pic>
-        <p:nvPicPr>
-          <p:cNvPr id="7" name="Grafik 6" descr="General Job Hierarchy.png"/>
-          <p:cNvPicPr>
-            <a:picLocks noChangeAspect="1"/>
-          </p:cNvPicPr>
-          <p:nvPr/>
-        </p:nvPicPr>
-        <p:blipFill>
-          <a:blip r:embed="rId2" cstate="print"/>
-          <a:stretch>
-            <a:fillRect/>
-          </a:stretch>
-        </p:blipFill>
-        <p:spPr>
-          <a:xfrm>
-            <a:off x="642910" y="897756"/>
-            <a:ext cx="7786742" cy="5345973"/>
-          </a:xfrm>
-          <a:prstGeom prst="rect">
-            <a:avLst/>
-          </a:prstGeom>
-        </p:spPr>
-      </p:pic>
     </p:spTree>
   </p:cSld>
   <p:clrMapOvr>
@@ -15410,7 +15814,56 @@
             <a:pPr lvl="1"/>
             <a:r>
               <a:rPr lang="en-GB" dirty="0" smtClean="0"/>
-              <a:t>Which feature annotation to use</a:t>
+              <a:t>Which feature annotation to </a:t>
+            </a:r>
+            <a:r>
+              <a:rPr lang="en-GB" dirty="0" smtClean="0"/>
+              <a:t>use</a:t>
+            </a:r>
+          </a:p>
+          <a:p>
+            <a:pPr lvl="1"/>
+            <a:endParaRPr lang="en-GB" noProof="0" dirty="0" smtClean="0"/>
+          </a:p>
+          <a:p>
+            <a:r>
+              <a:rPr lang="en-GB" dirty="0" smtClean="0"/>
+              <a:t>The built-in Eclipse </a:t>
+            </a:r>
+            <a:r>
+              <a:rPr lang="en-GB" dirty="0" err="1" smtClean="0"/>
+              <a:t>ILaunchConfiguration</a:t>
+            </a:r>
+            <a:r>
+              <a:rPr lang="en-GB" dirty="0" smtClean="0"/>
+              <a:t> is </a:t>
+            </a:r>
+            <a:r>
+              <a:rPr lang="en-GB" i="1" dirty="0" smtClean="0"/>
+              <a:t>not used </a:t>
+            </a:r>
+            <a:r>
+              <a:rPr lang="en-GB" dirty="0" smtClean="0"/>
+              <a:t>to make the workflows independent of being started from the run dialogue. </a:t>
+            </a:r>
+          </a:p>
+          <a:p>
+            <a:pPr lvl="1"/>
+            <a:r>
+              <a:rPr lang="en-GB" noProof="0" dirty="0" smtClean="0"/>
+              <a:t>E.g. </a:t>
+            </a:r>
+            <a:r>
+              <a:rPr lang="en-GB" noProof="0" dirty="0" err="1" smtClean="0"/>
+              <a:t>SimuCom</a:t>
+            </a:r>
+            <a:r>
+              <a:rPr lang="en-GB" noProof="0" dirty="0" smtClean="0"/>
+              <a:t> is started as a web service </a:t>
+            </a:r>
+            <a:r>
+              <a:rPr lang="en-GB" dirty="0" smtClean="0"/>
+              <a:t>in the SLA@SOI project </a:t>
             </a:r>
             <a:endParaRPr lang="en-GB" noProof="0" dirty="0" smtClean="0"/>
           </a:p>
